--- a/documentation/Diagrama a bloques.pptx
+++ b/documentation/Diagrama a bloques.pptx
@@ -262,7 +262,7 @@
           <a:p>
             <a:fld id="{5174000E-173F-4C8E-9624-D3767F05CEFC}" type="datetimeFigureOut">
               <a:rPr lang="es-MX" smtClean="0"/>
-              <a:t>03/07/2024</a:t>
+              <a:t>08/07/2024</a:t>
             </a:fld>
             <a:endParaRPr lang="es-MX"/>
           </a:p>
@@ -462,7 +462,7 @@
           <a:p>
             <a:fld id="{5174000E-173F-4C8E-9624-D3767F05CEFC}" type="datetimeFigureOut">
               <a:rPr lang="es-MX" smtClean="0"/>
-              <a:t>03/07/2024</a:t>
+              <a:t>08/07/2024</a:t>
             </a:fld>
             <a:endParaRPr lang="es-MX"/>
           </a:p>
@@ -672,7 +672,7 @@
           <a:p>
             <a:fld id="{5174000E-173F-4C8E-9624-D3767F05CEFC}" type="datetimeFigureOut">
               <a:rPr lang="es-MX" smtClean="0"/>
-              <a:t>03/07/2024</a:t>
+              <a:t>08/07/2024</a:t>
             </a:fld>
             <a:endParaRPr lang="es-MX"/>
           </a:p>
@@ -872,7 +872,7 @@
           <a:p>
             <a:fld id="{5174000E-173F-4C8E-9624-D3767F05CEFC}" type="datetimeFigureOut">
               <a:rPr lang="es-MX" smtClean="0"/>
-              <a:t>03/07/2024</a:t>
+              <a:t>08/07/2024</a:t>
             </a:fld>
             <a:endParaRPr lang="es-MX"/>
           </a:p>
@@ -1148,7 +1148,7 @@
           <a:p>
             <a:fld id="{5174000E-173F-4C8E-9624-D3767F05CEFC}" type="datetimeFigureOut">
               <a:rPr lang="es-MX" smtClean="0"/>
-              <a:t>03/07/2024</a:t>
+              <a:t>08/07/2024</a:t>
             </a:fld>
             <a:endParaRPr lang="es-MX"/>
           </a:p>
@@ -1416,7 +1416,7 @@
           <a:p>
             <a:fld id="{5174000E-173F-4C8E-9624-D3767F05CEFC}" type="datetimeFigureOut">
               <a:rPr lang="es-MX" smtClean="0"/>
-              <a:t>03/07/2024</a:t>
+              <a:t>08/07/2024</a:t>
             </a:fld>
             <a:endParaRPr lang="es-MX"/>
           </a:p>
@@ -1831,7 +1831,7 @@
           <a:p>
             <a:fld id="{5174000E-173F-4C8E-9624-D3767F05CEFC}" type="datetimeFigureOut">
               <a:rPr lang="es-MX" smtClean="0"/>
-              <a:t>03/07/2024</a:t>
+              <a:t>08/07/2024</a:t>
             </a:fld>
             <a:endParaRPr lang="es-MX"/>
           </a:p>
@@ -1973,7 +1973,7 @@
           <a:p>
             <a:fld id="{5174000E-173F-4C8E-9624-D3767F05CEFC}" type="datetimeFigureOut">
               <a:rPr lang="es-MX" smtClean="0"/>
-              <a:t>03/07/2024</a:t>
+              <a:t>08/07/2024</a:t>
             </a:fld>
             <a:endParaRPr lang="es-MX"/>
           </a:p>
@@ -2086,7 +2086,7 @@
           <a:p>
             <a:fld id="{5174000E-173F-4C8E-9624-D3767F05CEFC}" type="datetimeFigureOut">
               <a:rPr lang="es-MX" smtClean="0"/>
-              <a:t>03/07/2024</a:t>
+              <a:t>08/07/2024</a:t>
             </a:fld>
             <a:endParaRPr lang="es-MX"/>
           </a:p>
@@ -2399,7 +2399,7 @@
           <a:p>
             <a:fld id="{5174000E-173F-4C8E-9624-D3767F05CEFC}" type="datetimeFigureOut">
               <a:rPr lang="es-MX" smtClean="0"/>
-              <a:t>03/07/2024</a:t>
+              <a:t>08/07/2024</a:t>
             </a:fld>
             <a:endParaRPr lang="es-MX"/>
           </a:p>
@@ -2688,7 +2688,7 @@
           <a:p>
             <a:fld id="{5174000E-173F-4C8E-9624-D3767F05CEFC}" type="datetimeFigureOut">
               <a:rPr lang="es-MX" smtClean="0"/>
-              <a:t>03/07/2024</a:t>
+              <a:t>08/07/2024</a:t>
             </a:fld>
             <a:endParaRPr lang="es-MX"/>
           </a:p>
@@ -2931,7 +2931,7 @@
           <a:p>
             <a:fld id="{5174000E-173F-4C8E-9624-D3767F05CEFC}" type="datetimeFigureOut">
               <a:rPr lang="es-MX" smtClean="0"/>
-              <a:t>03/07/2024</a:t>
+              <a:t>08/07/2024</a:t>
             </a:fld>
             <a:endParaRPr lang="es-MX"/>
           </a:p>
@@ -5075,7 +5075,7 @@
         </p:nvSpPr>
         <p:spPr>
           <a:xfrm>
-            <a:off x="5667367" y="1050101"/>
+            <a:off x="5018281" y="4111860"/>
             <a:ext cx="1614008" cy="369332"/>
           </a:xfrm>
           <a:prstGeom prst="rect">
@@ -5116,7 +5116,7 @@
         </p:nvSpPr>
         <p:spPr>
           <a:xfrm rot="16200000">
-            <a:off x="6156687" y="1546411"/>
+            <a:off x="5507601" y="4608170"/>
             <a:ext cx="635370" cy="460269"/>
           </a:xfrm>
           <a:prstGeom prst="leftRightArrow">
@@ -5176,7 +5176,7 @@
         </p:nvSpPr>
         <p:spPr>
           <a:xfrm>
-            <a:off x="5667367" y="2131369"/>
+            <a:off x="5018281" y="5193128"/>
             <a:ext cx="1614008" cy="369332"/>
           </a:xfrm>
           <a:prstGeom prst="rect">
@@ -5217,7 +5217,7 @@
         </p:nvSpPr>
         <p:spPr>
           <a:xfrm rot="16200000">
-            <a:off x="6156687" y="2627679"/>
+            <a:off x="5507601" y="5689438"/>
             <a:ext cx="635370" cy="460269"/>
           </a:xfrm>
           <a:prstGeom prst="leftRightArrow">
@@ -5277,7 +5277,7 @@
         </p:nvSpPr>
         <p:spPr>
           <a:xfrm>
-            <a:off x="5667367" y="3212637"/>
+            <a:off x="5018281" y="6274396"/>
             <a:ext cx="1614008" cy="369332"/>
           </a:xfrm>
           <a:prstGeom prst="rect">
@@ -5299,7 +5299,7 @@
             <a:pPr algn="ctr"/>
             <a:r>
               <a:rPr lang="es-MX" dirty="0"/>
-              <a:t>LM3144</a:t>
+              <a:t>A3144E</a:t>
             </a:r>
           </a:p>
         </p:txBody>
@@ -5461,7 +5461,7 @@
         </p:nvSpPr>
         <p:spPr>
           <a:xfrm>
-            <a:off x="2470035" y="2333332"/>
+            <a:off x="2472003" y="2902777"/>
             <a:ext cx="2040596" cy="369332"/>
           </a:xfrm>
           <a:prstGeom prst="rect">
@@ -5502,7 +5502,7 @@
         </p:nvSpPr>
         <p:spPr>
           <a:xfrm>
-            <a:off x="1334057" y="2297151"/>
+            <a:off x="1336025" y="2866596"/>
             <a:ext cx="1090023" cy="460800"/>
           </a:xfrm>
           <a:prstGeom prst="rightArrow">
@@ -5554,7 +5554,7 @@
         </p:nvSpPr>
         <p:spPr>
           <a:xfrm>
-            <a:off x="2470035" y="2907661"/>
+            <a:off x="2515990" y="5313330"/>
             <a:ext cx="2040596" cy="369332"/>
           </a:xfrm>
           <a:prstGeom prst="rect">
@@ -5595,7 +5595,7 @@
         </p:nvSpPr>
         <p:spPr>
           <a:xfrm>
-            <a:off x="1334057" y="2871480"/>
+            <a:off x="1380012" y="5277149"/>
             <a:ext cx="1090023" cy="460800"/>
           </a:xfrm>
           <a:prstGeom prst="rightArrow">
@@ -5647,7 +5647,7 @@
         </p:nvSpPr>
         <p:spPr>
           <a:xfrm>
-            <a:off x="2470035" y="3481990"/>
+            <a:off x="2515990" y="5887659"/>
             <a:ext cx="2040596" cy="369332"/>
           </a:xfrm>
           <a:prstGeom prst="rect">
@@ -5688,7 +5688,7 @@
         </p:nvSpPr>
         <p:spPr>
           <a:xfrm>
-            <a:off x="1334057" y="3445809"/>
+            <a:off x="1380012" y="5851478"/>
             <a:ext cx="1090023" cy="460800"/>
           </a:xfrm>
           <a:prstGeom prst="rightArrow">
@@ -5740,11 +5740,219 @@
         </p:nvSpPr>
         <p:spPr>
           <a:xfrm rot="16200000">
-            <a:off x="-157482" y="2566131"/>
-            <a:ext cx="2753668" cy="460269"/>
+            <a:off x="841905" y="1566743"/>
+            <a:ext cx="754896" cy="460269"/>
+          </a:xfrm>
+          <a:prstGeom prst="leftRightArrow">
+            <a:avLst>
+              <a:gd name="adj1" fmla="val 50000"/>
+              <a:gd name="adj2" fmla="val 0"/>
+            </a:avLst>
+          </a:prstGeom>
+          <a:noFill/>
+          <a:ln w="38100">
+            <a:solidFill>
+              <a:schemeClr val="accent1">
+                <a:shade val="15000"/>
+              </a:schemeClr>
+            </a:solidFill>
+          </a:ln>
+        </p:spPr>
+        <p:style>
+          <a:lnRef idx="2">
+            <a:schemeClr val="accent1">
+              <a:shade val="15000"/>
+            </a:schemeClr>
+          </a:lnRef>
+          <a:fillRef idx="1">
+            <a:schemeClr val="accent1"/>
+          </a:fillRef>
+          <a:effectRef idx="0">
+            <a:schemeClr val="accent1"/>
+          </a:effectRef>
+          <a:fontRef idx="minor">
+            <a:schemeClr val="lt1"/>
+          </a:fontRef>
+        </p:style>
+        <p:txBody>
+          <a:bodyPr rtlCol="0" anchor="ctr"/>
+          <a:lstStyle/>
+          <a:p>
+            <a:pPr algn="ctr"/>
+            <a:endParaRPr lang="es-MX">
+              <a:ln w="38100">
+                <a:solidFill>
+                  <a:schemeClr val="tx1"/>
+                </a:solidFill>
+              </a:ln>
+            </a:endParaRPr>
+          </a:p>
+        </p:txBody>
+      </p:sp>
+      <p:sp>
+        <p:nvSpPr>
+          <p:cNvPr id="2" name="CuadroTexto 1">
+            <a:extLst>
+              <a:ext uri="{FF2B5EF4-FFF2-40B4-BE49-F238E27FC236}">
+                <a16:creationId xmlns:a16="http://schemas.microsoft.com/office/drawing/2014/main" id="{BE7CF136-C5FE-3538-308E-310508BEA578}"/>
+              </a:ext>
+            </a:extLst>
+          </p:cNvPr>
+          <p:cNvSpPr txBox="1"/>
+          <p:nvPr/>
+        </p:nvSpPr>
+        <p:spPr>
+          <a:xfrm>
+            <a:off x="949254" y="4529694"/>
+            <a:ext cx="1614008" cy="369332"/>
+          </a:xfrm>
+          <a:prstGeom prst="rect">
+            <a:avLst/>
+          </a:prstGeom>
+          <a:noFill/>
+          <a:ln w="38100">
+            <a:solidFill>
+              <a:schemeClr val="tx1"/>
+            </a:solidFill>
+          </a:ln>
+        </p:spPr>
+        <p:txBody>
+          <a:bodyPr wrap="square" rtlCol="0">
+            <a:spAutoFit/>
+          </a:bodyPr>
+          <a:lstStyle/>
+          <a:p>
+            <a:pPr algn="ctr"/>
+            <a:r>
+              <a:rPr lang="es-MX" dirty="0"/>
+              <a:t>ESP32 Master</a:t>
+            </a:r>
+          </a:p>
+        </p:txBody>
+      </p:sp>
+      <p:sp>
+        <p:nvSpPr>
+          <p:cNvPr id="3" name="Flecha: a la izquierda y derecha 2">
+            <a:extLst>
+              <a:ext uri="{FF2B5EF4-FFF2-40B4-BE49-F238E27FC236}">
+                <a16:creationId xmlns:a16="http://schemas.microsoft.com/office/drawing/2014/main" id="{D5BF7928-BE93-BA01-300F-773AF8F8E8E9}"/>
+              </a:ext>
+            </a:extLst>
+          </p:cNvPr>
+          <p:cNvSpPr/>
+          <p:nvPr/>
+        </p:nvSpPr>
+        <p:spPr>
+          <a:xfrm rot="16200000">
+            <a:off x="420821" y="5507758"/>
+            <a:ext cx="1679709" cy="460269"/>
           </a:xfrm>
           <a:prstGeom prst="leftRightArrow">
             <a:avLst/>
+          </a:prstGeom>
+          <a:noFill/>
+          <a:ln w="38100">
+            <a:solidFill>
+              <a:schemeClr val="accent1">
+                <a:shade val="15000"/>
+              </a:schemeClr>
+            </a:solidFill>
+          </a:ln>
+        </p:spPr>
+        <p:style>
+          <a:lnRef idx="2">
+            <a:schemeClr val="accent1">
+              <a:shade val="15000"/>
+            </a:schemeClr>
+          </a:lnRef>
+          <a:fillRef idx="1">
+            <a:schemeClr val="accent1"/>
+          </a:fillRef>
+          <a:effectRef idx="0">
+            <a:schemeClr val="accent1"/>
+          </a:effectRef>
+          <a:fontRef idx="minor">
+            <a:schemeClr val="lt1"/>
+          </a:fontRef>
+        </p:style>
+        <p:txBody>
+          <a:bodyPr rtlCol="0" anchor="ctr"/>
+          <a:lstStyle/>
+          <a:p>
+            <a:pPr algn="ctr"/>
+            <a:endParaRPr lang="es-MX">
+              <a:ln w="38100">
+                <a:solidFill>
+                  <a:schemeClr val="tx1"/>
+                </a:solidFill>
+              </a:ln>
+            </a:endParaRPr>
+          </a:p>
+        </p:txBody>
+      </p:sp>
+      <p:sp>
+        <p:nvSpPr>
+          <p:cNvPr id="10" name="CuadroTexto 9">
+            <a:extLst>
+              <a:ext uri="{FF2B5EF4-FFF2-40B4-BE49-F238E27FC236}">
+                <a16:creationId xmlns:a16="http://schemas.microsoft.com/office/drawing/2014/main" id="{3BD1584E-5424-2914-FA98-B8353A777072}"/>
+              </a:ext>
+            </a:extLst>
+          </p:cNvPr>
+          <p:cNvSpPr txBox="1"/>
+          <p:nvPr/>
+        </p:nvSpPr>
+        <p:spPr>
+          <a:xfrm>
+            <a:off x="907931" y="2396781"/>
+            <a:ext cx="1614008" cy="369332"/>
+          </a:xfrm>
+          <a:prstGeom prst="rect">
+            <a:avLst/>
+          </a:prstGeom>
+          <a:noFill/>
+          <a:ln w="38100">
+            <a:solidFill>
+              <a:schemeClr val="tx1"/>
+            </a:solidFill>
+          </a:ln>
+        </p:spPr>
+        <p:txBody>
+          <a:bodyPr wrap="square" rtlCol="0">
+            <a:spAutoFit/>
+          </a:bodyPr>
+          <a:lstStyle/>
+          <a:p>
+            <a:pPr algn="ctr"/>
+            <a:r>
+              <a:rPr lang="es-MX" dirty="0"/>
+              <a:t>ESP32 Master</a:t>
+            </a:r>
+          </a:p>
+        </p:txBody>
+      </p:sp>
+      <p:sp>
+        <p:nvSpPr>
+          <p:cNvPr id="19" name="Flecha: a la izquierda y derecha 18">
+            <a:extLst>
+              <a:ext uri="{FF2B5EF4-FFF2-40B4-BE49-F238E27FC236}">
+                <a16:creationId xmlns:a16="http://schemas.microsoft.com/office/drawing/2014/main" id="{927AED77-B4E6-E49C-0189-797A9CD7ECBF}"/>
+              </a:ext>
+            </a:extLst>
+          </p:cNvPr>
+          <p:cNvSpPr/>
+          <p:nvPr/>
+        </p:nvSpPr>
+        <p:spPr>
+          <a:xfrm rot="16200000">
+            <a:off x="841905" y="2912436"/>
+            <a:ext cx="754896" cy="460269"/>
+          </a:xfrm>
+          <a:prstGeom prst="leftRightArrow">
+            <a:avLst>
+              <a:gd name="adj1" fmla="val 50000"/>
+              <a:gd name="adj2" fmla="val 0"/>
+            </a:avLst>
           </a:prstGeom>
           <a:noFill/>
           <a:ln w="38100">
